--- a/src/media/interactive-vs-workflow.pptx
+++ b/src/media/interactive-vs-workflow.pptx
@@ -2952,10 +2952,10 @@
         </p:nvGrpSpPr>
         <p:grpSpPr>
           <a:xfrm>
-            <a:off x="211917" y="572070"/>
-            <a:ext cx="3096349" cy="2113345"/>
-            <a:chOff x="518304" y="1342777"/>
-            <a:chExt cx="2661352" cy="1868672"/>
+            <a:off x="49543" y="411956"/>
+            <a:ext cx="3415344" cy="2334884"/>
+            <a:chOff x="378741" y="1201201"/>
+            <a:chExt cx="2935532" cy="2064562"/>
           </a:xfrm>
         </p:grpSpPr>
         <p:pic>
@@ -2974,8 +2974,8 @@
           </p:blipFill>
           <p:spPr>
             <a:xfrm>
-              <a:off x="518304" y="1342777"/>
-              <a:ext cx="1005695" cy="1684071"/>
+              <a:off x="378741" y="1335359"/>
+              <a:ext cx="1152799" cy="1930404"/>
             </a:xfrm>
             <a:prstGeom prst="rect">
               <a:avLst/>
@@ -2998,8 +2998,8 @@
           </p:blipFill>
           <p:spPr>
             <a:xfrm>
-              <a:off x="1863783" y="1369021"/>
-              <a:ext cx="1315873" cy="706649"/>
+              <a:off x="1610347" y="1201201"/>
+              <a:ext cx="1703926" cy="915042"/>
             </a:xfrm>
             <a:prstGeom prst="rect">
               <a:avLst/>
@@ -3021,8 +3021,8 @@
           </p:blipFill>
           <p:spPr>
             <a:xfrm>
-              <a:off x="1851504" y="2512715"/>
-              <a:ext cx="1328152" cy="698734"/>
+              <a:off x="1606250" y="2398593"/>
+              <a:ext cx="1648315" cy="867170"/>
             </a:xfrm>
             <a:prstGeom prst="rect">
               <a:avLst/>

--- a/src/media/interactive-vs-workflow.pptx
+++ b/src/media/interactive-vs-workflow.pptx
@@ -5,8 +5,7 @@
     <p:sldMasterId id="2147483660" r:id="rId1"/>
   </p:sldMasterIdLst>
   <p:sldIdLst>
-    <p:sldId id="256" r:id="rId2"/>
-    <p:sldId id="257" r:id="rId3"/>
+    <p:sldId id="257" r:id="rId2"/>
   </p:sldIdLst>
   <p:sldSz cx="8531225" cy="4572000"/>
   <p:notesSz cx="6858000" cy="9144000"/>
@@ -2914,36 +2913,6 @@
           <a:chExt cx="0" cy="0"/>
         </a:xfrm>
       </p:grpSpPr>
-    </p:spTree>
-    <p:extLst>
-      <p:ext uri="{BB962C8B-B14F-4D97-AF65-F5344CB8AC3E}">
-        <p14:creationId xmlns:p14="http://schemas.microsoft.com/office/powerpoint/2010/main" val="2123425781"/>
-      </p:ext>
-    </p:extLst>
-  </p:cSld>
-  <p:clrMapOvr>
-    <a:masterClrMapping/>
-  </p:clrMapOvr>
-</p:sld>
-</file>
-
-<file path=ppt/slides/slide2.xml><?xml version="1.0" encoding="utf-8"?>
-<p:sld xmlns:a="http://schemas.openxmlformats.org/drawingml/2006/main" xmlns:r="http://schemas.openxmlformats.org/officeDocument/2006/relationships" xmlns:p="http://schemas.openxmlformats.org/presentationml/2006/main">
-  <p:cSld>
-    <p:spTree>
-      <p:nvGrpSpPr>
-        <p:cNvPr id="1" name=""/>
-        <p:cNvGrpSpPr/>
-        <p:nvPr/>
-      </p:nvGrpSpPr>
-      <p:grpSpPr>
-        <a:xfrm>
-          <a:off x="0" y="0"/>
-          <a:ext cx="0" cy="0"/>
-          <a:chOff x="0" y="0"/>
-          <a:chExt cx="0" cy="0"/>
-        </a:xfrm>
-      </p:grpSpPr>
       <p:grpSp>
         <p:nvGrpSpPr>
           <p:cNvPr id="29" name="Group 28"/>
@@ -2952,10 +2921,10 @@
         </p:nvGrpSpPr>
         <p:grpSpPr>
           <a:xfrm>
-            <a:off x="49543" y="411956"/>
-            <a:ext cx="3415344" cy="2334884"/>
-            <a:chOff x="378741" y="1201201"/>
-            <a:chExt cx="2935532" cy="2064562"/>
+            <a:off x="-10181" y="451137"/>
+            <a:ext cx="3353695" cy="2302704"/>
+            <a:chOff x="378741" y="1229655"/>
+            <a:chExt cx="2882544" cy="2036108"/>
           </a:xfrm>
         </p:grpSpPr>
         <p:pic>
@@ -2998,8 +2967,8 @@
           </p:blipFill>
           <p:spPr>
             <a:xfrm>
-              <a:off x="1610347" y="1201201"/>
-              <a:ext cx="1703926" cy="915042"/>
+              <a:off x="1610347" y="1229655"/>
+              <a:ext cx="1650938" cy="886586"/>
             </a:xfrm>
             <a:prstGeom prst="rect">
               <a:avLst/>
@@ -3319,8 +3288,8 @@
         </p:nvCxnSpPr>
         <p:spPr>
           <a:xfrm flipH="1">
-            <a:off x="3657383" y="299635"/>
-            <a:ext cx="168" cy="3951109"/>
+            <a:off x="3713892" y="254726"/>
+            <a:ext cx="24388" cy="4161577"/>
           </a:xfrm>
           <a:prstGeom prst="line">
             <a:avLst/>
@@ -3352,7 +3321,7 @@
         </p:nvSpPr>
         <p:spPr>
           <a:xfrm>
-            <a:off x="17515" y="3282757"/>
+            <a:off x="-8019" y="3455663"/>
             <a:ext cx="3377903" cy="910447"/>
           </a:xfrm>
           <a:prstGeom prst="rect">
@@ -3530,7 +3499,7 @@
         </p:nvSpPr>
         <p:spPr>
           <a:xfrm>
-            <a:off x="3998144" y="3282757"/>
+            <a:off x="4100074" y="3505856"/>
             <a:ext cx="4451040" cy="910447"/>
           </a:xfrm>
           <a:prstGeom prst="rect">
